--- a/Slides/1 - Java/06 - Java - Espressioni Regolari e Streams.pptx
+++ b/Slides/1 - Java/06 - Java - Espressioni Regolari e Streams.pptx
@@ -13675,7 +13675,7 @@
             </a:endParaRPr>
           </a:p>
           <a:p>
-            <a:pPr indent="457200" lvl="0" marL="0" rtl="0" algn="l">
+            <a:pPr indent="0" lvl="0" marL="0" rtl="0" algn="l">
               <a:lnSpc>
                 <a:spcPct val="100000"/>
               </a:lnSpc>
@@ -13697,7 +13697,7 @@
                 <a:cs typeface="Courier New"/>
                 <a:sym typeface="Courier New"/>
               </a:rPr>
-              <a:t>return</a:t>
+              <a:t>    return</a:t>
             </a:r>
             <a:r>
               <a:rPr lang="it" sz="1200">
@@ -13718,7 +13718,7 @@
                 <a:cs typeface="Courier New"/>
                 <a:sym typeface="Courier New"/>
               </a:rPr>
-              <a:t>"[a−zA−Z]+@mat\\.unical\\. it"</a:t>
+              <a:t>"[a−zA−Z]+@mat\\.unical\\.it"</a:t>
             </a:r>
             <a:r>
               <a:rPr lang="it" sz="1200">
@@ -13834,7 +13834,7 @@
                 <a:cs typeface="Courier New"/>
                 <a:sym typeface="Courier New"/>
               </a:rPr>
-              <a:t> testDich(String input) {</a:t>
+              <a:t> testDichiarazioneVariableInteraJava(String input) {</a:t>
             </a:r>
             <a:endParaRPr sz="1200">
               <a:latin typeface="Courier New"/>
@@ -13844,7 +13844,7 @@
             </a:endParaRPr>
           </a:p>
           <a:p>
-            <a:pPr indent="457200" lvl="0" marL="0" rtl="0" algn="l">
+            <a:pPr indent="0" lvl="0" marL="0" rtl="0" algn="l">
               <a:lnSpc>
                 <a:spcPct val="100000"/>
               </a:lnSpc>
@@ -13866,7 +13866,7 @@
                 <a:cs typeface="Courier New"/>
                 <a:sym typeface="Courier New"/>
               </a:rPr>
-              <a:t>return</a:t>
+              <a:t>    return</a:t>
             </a:r>
             <a:r>
               <a:rPr lang="it" sz="1200">
@@ -14003,7 +14003,7 @@
                 <a:cs typeface="Courier New"/>
                 <a:sym typeface="Courier New"/>
               </a:rPr>
-              <a:t> testCF(String input) {</a:t>
+              <a:t> testCodiceFiscale(String input) {</a:t>
             </a:r>
             <a:endParaRPr sz="1200">
               <a:latin typeface="Courier New"/>
@@ -14013,7 +14013,7 @@
             </a:endParaRPr>
           </a:p>
           <a:p>
-            <a:pPr indent="457200" lvl="0" marL="0" rtl="0" algn="l">
+            <a:pPr indent="0" lvl="0" marL="0" rtl="0" algn="l">
               <a:lnSpc>
                 <a:spcPct val="100000"/>
               </a:lnSpc>
@@ -14035,7 +14035,7 @@
                 <a:cs typeface="Courier New"/>
                 <a:sym typeface="Courier New"/>
               </a:rPr>
-              <a:t>return</a:t>
+              <a:t>    return</a:t>
             </a:r>
             <a:r>
               <a:rPr lang="it" sz="1200">
@@ -15171,15 +15171,27 @@
             </a:endParaRPr>
           </a:p>
           <a:p>
-            <a:pPr indent="0" lvl="0" marL="457200" rtl="0" algn="l">
-              <a:spcBef>
-                <a:spcPts val="0"/>
-              </a:spcBef>
-              <a:spcAft>
-                <a:spcPts val="0"/>
-              </a:spcAft>
-              <a:buNone/>
-            </a:pPr>
+            <a:pPr indent="0" lvl="0" marL="0" rtl="0" algn="l">
+              <a:spcBef>
+                <a:spcPts val="0"/>
+              </a:spcBef>
+              <a:spcAft>
+                <a:spcPts val="0"/>
+              </a:spcAft>
+              <a:buNone/>
+            </a:pPr>
+            <a:r>
+              <a:rPr lang="it" sz="1200">
+                <a:solidFill>
+                  <a:schemeClr val="lt2"/>
+                </a:solidFill>
+                <a:latin typeface="Courier New"/>
+                <a:ea typeface="Courier New"/>
+                <a:cs typeface="Courier New"/>
+                <a:sym typeface="Courier New"/>
+              </a:rPr>
+              <a:t>    </a:t>
+            </a:r>
             <a:r>
               <a:rPr lang="it" sz="1200">
                 <a:solidFill>
@@ -15227,7 +15239,7 @@
             </a:endParaRPr>
           </a:p>
           <a:p>
-            <a:pPr indent="0" lvl="0" marL="457200" rtl="0" algn="l">
+            <a:pPr indent="0" lvl="0" marL="0" rtl="0" algn="l">
               <a:spcBef>
                 <a:spcPts val="0"/>
               </a:spcBef>
@@ -15246,7 +15258,7 @@
                 <a:cs typeface="Courier New"/>
                 <a:sym typeface="Courier New"/>
               </a:rPr>
-              <a:t>Matcher matcher = pattern.matcher(codiceFiscale);</a:t>
+              <a:t>    Matcher matcher = pattern.matcher(codiceFiscale);</a:t>
             </a:r>
             <a:endParaRPr sz="1200">
               <a:solidFill>
@@ -15259,7 +15271,7 @@
             </a:endParaRPr>
           </a:p>
           <a:p>
-            <a:pPr indent="0" lvl="0" marL="457200" rtl="0" algn="l">
+            <a:pPr indent="0" lvl="0" marL="0" rtl="0" algn="l">
               <a:spcBef>
                 <a:spcPts val="0"/>
               </a:spcBef>
@@ -15278,7 +15290,7 @@
                 <a:cs typeface="Courier New"/>
                 <a:sym typeface="Courier New"/>
               </a:rPr>
-              <a:t>if</a:t>
+              <a:t>    if</a:t>
             </a:r>
             <a:r>
               <a:rPr lang="it" sz="1200">
@@ -15303,7 +15315,7 @@
             </a:endParaRPr>
           </a:p>
           <a:p>
-            <a:pPr indent="0" lvl="0" marL="914400" rtl="0" algn="l">
+            <a:pPr indent="0" lvl="0" marL="0" rtl="0" algn="l">
               <a:spcBef>
                 <a:spcPts val="0"/>
               </a:spcBef>
@@ -15322,7 +15334,7 @@
                 <a:cs typeface="Courier New"/>
                 <a:sym typeface="Courier New"/>
               </a:rPr>
-              <a:t>System.out.println(</a:t>
+              <a:t>        System.out.println(</a:t>
             </a:r>
             <a:r>
               <a:rPr lang="it" sz="1200">
@@ -15359,7 +15371,7 @@
             </a:endParaRPr>
           </a:p>
           <a:p>
-            <a:pPr indent="0" lvl="0" marL="914400" rtl="0" algn="l">
+            <a:pPr indent="0" lvl="0" marL="0" rtl="0" algn="l">
               <a:spcBef>
                 <a:spcPts val="0"/>
               </a:spcBef>
@@ -15378,7 +15390,7 @@
                 <a:cs typeface="Courier New"/>
                 <a:sym typeface="Courier New"/>
               </a:rPr>
-              <a:t>System.out.println(</a:t>
+              <a:t>        System.out.println(</a:t>
             </a:r>
             <a:r>
               <a:rPr lang="it" sz="1200">
@@ -15415,7 +15427,7 @@
             </a:endParaRPr>
           </a:p>
           <a:p>
-            <a:pPr indent="0" lvl="0" marL="914400" rtl="0" algn="l">
+            <a:pPr indent="0" lvl="0" marL="0" rtl="0" algn="l">
               <a:spcBef>
                 <a:spcPts val="0"/>
               </a:spcBef>
@@ -15434,7 +15446,7 @@
                 <a:cs typeface="Courier New"/>
                 <a:sym typeface="Courier New"/>
               </a:rPr>
-              <a:t>System.out.println(</a:t>
+              <a:t>        System.out.println(</a:t>
             </a:r>
             <a:r>
               <a:rPr lang="it" sz="1200">
@@ -15471,7 +15483,7 @@
             </a:endParaRPr>
           </a:p>
           <a:p>
-            <a:pPr indent="0" lvl="0" marL="914400" rtl="0" algn="l">
+            <a:pPr indent="0" lvl="0" marL="0" rtl="0" algn="l">
               <a:spcBef>
                 <a:spcPts val="0"/>
               </a:spcBef>
@@ -15490,7 +15502,7 @@
                 <a:cs typeface="Courier New"/>
                 <a:sym typeface="Courier New"/>
               </a:rPr>
-              <a:t>System.out.println(</a:t>
+              <a:t>        System.out.println(</a:t>
             </a:r>
             <a:r>
               <a:rPr lang="it" sz="1200">
@@ -15527,7 +15539,7 @@
             </a:endParaRPr>
           </a:p>
           <a:p>
-            <a:pPr indent="0" lvl="0" marL="914400" rtl="0" algn="l">
+            <a:pPr indent="0" lvl="0" marL="0" rtl="0" algn="l">
               <a:spcBef>
                 <a:spcPts val="0"/>
               </a:spcBef>
@@ -15546,7 +15558,7 @@
                 <a:cs typeface="Courier New"/>
                 <a:sym typeface="Courier New"/>
               </a:rPr>
-              <a:t>System.out.println(</a:t>
+              <a:t>        System.out.println(</a:t>
             </a:r>
             <a:r>
               <a:rPr lang="it" sz="1200">
@@ -15583,7 +15595,7 @@
             </a:endParaRPr>
           </a:p>
           <a:p>
-            <a:pPr indent="0" lvl="0" marL="914400" rtl="0" algn="l">
+            <a:pPr indent="0" lvl="0" marL="0" rtl="0" algn="l">
               <a:spcBef>
                 <a:spcPts val="0"/>
               </a:spcBef>
@@ -15602,7 +15614,7 @@
                 <a:cs typeface="Courier New"/>
                 <a:sym typeface="Courier New"/>
               </a:rPr>
-              <a:t>System.out.println(</a:t>
+              <a:t>        System.out.println(</a:t>
             </a:r>
             <a:r>
               <a:rPr lang="it" sz="1200">
@@ -15626,31 +15638,7 @@
                 <a:cs typeface="Courier New"/>
                 <a:sym typeface="Courier New"/>
               </a:rPr>
-              <a:t> + matcher.group(6)); System.out.println(</a:t>
-            </a:r>
-            <a:r>
-              <a:rPr lang="it" sz="1200">
-                <a:solidFill>
-                  <a:srgbClr val="9400D1"/>
-                </a:solidFill>
-                <a:latin typeface="Courier New"/>
-                <a:ea typeface="Courier New"/>
-                <a:cs typeface="Courier New"/>
-                <a:sym typeface="Courier New"/>
-              </a:rPr>
-              <a:t>"codice controllo: "</a:t>
-            </a:r>
-            <a:r>
-              <a:rPr lang="it" sz="1200">
-                <a:solidFill>
-                  <a:schemeClr val="lt2"/>
-                </a:solidFill>
-                <a:latin typeface="Courier New"/>
-                <a:ea typeface="Courier New"/>
-                <a:cs typeface="Courier New"/>
-                <a:sym typeface="Courier New"/>
-              </a:rPr>
-              <a:t> + matcher.group(7));</a:t>
+              <a:t> + matcher.group(6));</a:t>
             </a:r>
             <a:endParaRPr sz="1200">
               <a:solidFill>
@@ -15663,7 +15651,7 @@
             </a:endParaRPr>
           </a:p>
           <a:p>
-            <a:pPr indent="0" lvl="0" marL="457200" rtl="0" algn="l">
+            <a:pPr indent="0" lvl="0" marL="0" rtl="0" algn="l">
               <a:spcBef>
                 <a:spcPts val="0"/>
               </a:spcBef>
@@ -15682,7 +15670,31 @@
                 <a:cs typeface="Courier New"/>
                 <a:sym typeface="Courier New"/>
               </a:rPr>
-              <a:t>}</a:t>
+              <a:t>        System.out.println(</a:t>
+            </a:r>
+            <a:r>
+              <a:rPr lang="it" sz="1200">
+                <a:solidFill>
+                  <a:srgbClr val="9400D1"/>
+                </a:solidFill>
+                <a:latin typeface="Courier New"/>
+                <a:ea typeface="Courier New"/>
+                <a:cs typeface="Courier New"/>
+                <a:sym typeface="Courier New"/>
+              </a:rPr>
+              <a:t>"codice controllo: "</a:t>
+            </a:r>
+            <a:r>
+              <a:rPr lang="it" sz="1200">
+                <a:solidFill>
+                  <a:schemeClr val="lt2"/>
+                </a:solidFill>
+                <a:latin typeface="Courier New"/>
+                <a:ea typeface="Courier New"/>
+                <a:cs typeface="Courier New"/>
+                <a:sym typeface="Courier New"/>
+              </a:rPr>
+              <a:t> + matcher.group(7));</a:t>
             </a:r>
             <a:endParaRPr sz="1200">
               <a:solidFill>
@@ -15695,15 +15707,59 @@
             </a:endParaRPr>
           </a:p>
           <a:p>
-            <a:pPr indent="0" lvl="0" marL="457200" rtl="0" algn="l">
-              <a:spcBef>
-                <a:spcPts val="0"/>
-              </a:spcBef>
-              <a:spcAft>
-                <a:spcPts val="0"/>
-              </a:spcAft>
-              <a:buNone/>
-            </a:pPr>
+            <a:pPr indent="0" lvl="0" marL="0" rtl="0" algn="l">
+              <a:spcBef>
+                <a:spcPts val="0"/>
+              </a:spcBef>
+              <a:spcAft>
+                <a:spcPts val="0"/>
+              </a:spcAft>
+              <a:buNone/>
+            </a:pPr>
+            <a:r>
+              <a:rPr lang="it" sz="1200">
+                <a:solidFill>
+                  <a:schemeClr val="lt2"/>
+                </a:solidFill>
+                <a:latin typeface="Courier New"/>
+                <a:ea typeface="Courier New"/>
+                <a:cs typeface="Courier New"/>
+                <a:sym typeface="Courier New"/>
+              </a:rPr>
+              <a:t>     }</a:t>
+            </a:r>
+            <a:endParaRPr sz="1200">
+              <a:solidFill>
+                <a:schemeClr val="lt2"/>
+              </a:solidFill>
+              <a:latin typeface="Courier New"/>
+              <a:ea typeface="Courier New"/>
+              <a:cs typeface="Courier New"/>
+              <a:sym typeface="Courier New"/>
+            </a:endParaRPr>
+          </a:p>
+          <a:p>
+            <a:pPr indent="0" lvl="0" marL="0" rtl="0" algn="l">
+              <a:spcBef>
+                <a:spcPts val="0"/>
+              </a:spcBef>
+              <a:spcAft>
+                <a:spcPts val="0"/>
+              </a:spcAft>
+              <a:buNone/>
+            </a:pPr>
+            <a:r>
+              <a:rPr lang="it" sz="1200">
+                <a:solidFill>
+                  <a:schemeClr val="lt2"/>
+                </a:solidFill>
+                <a:latin typeface="Courier New"/>
+                <a:ea typeface="Courier New"/>
+                <a:cs typeface="Courier New"/>
+                <a:sym typeface="Courier New"/>
+              </a:rPr>
+              <a:t>     </a:t>
+            </a:r>
             <a:r>
               <a:rPr lang="it" sz="1200">
                 <a:solidFill>
@@ -15727,7 +15783,7 @@
             </a:endParaRPr>
           </a:p>
           <a:p>
-            <a:pPr indent="457200" lvl="0" marL="457200" rtl="0" algn="l">
+            <a:pPr indent="0" lvl="0" marL="0" rtl="0" algn="l">
               <a:spcBef>
                 <a:spcPts val="0"/>
               </a:spcBef>
@@ -15746,7 +15802,7 @@
                 <a:cs typeface="Courier New"/>
                 <a:sym typeface="Courier New"/>
               </a:rPr>
-              <a:t>System.out.println(</a:t>
+              <a:t>        System.out.println(</a:t>
             </a:r>
             <a:r>
               <a:rPr lang="it" sz="1200">
@@ -17799,7 +17855,7 @@
         <p:spPr>
           <a:xfrm>
             <a:off x="328350" y="909450"/>
-            <a:ext cx="8366400" cy="4248300"/>
+            <a:ext cx="8366400" cy="3879000"/>
           </a:xfrm>
           <a:prstGeom prst="rect">
             <a:avLst/>
@@ -18109,7 +18165,16 @@
               <a:buNone/>
             </a:pPr>
             <a:r>
-              <a:t/>
+              <a:rPr lang="it" sz="1200">
+                <a:solidFill>
+                  <a:schemeClr val="lt2"/>
+                </a:solidFill>
+                <a:latin typeface="Courier New"/>
+                <a:ea typeface="Courier New"/>
+                <a:cs typeface="Courier New"/>
+                <a:sym typeface="Courier New"/>
+              </a:rPr>
+              <a:t>    l.stream().filter(x -&gt; x &lt; 0).forEach(System.out::println);</a:t>
             </a:r>
             <a:endParaRPr sz="1200">
               <a:solidFill>
@@ -18141,7 +18206,7 @@
                 <a:cs typeface="Courier New"/>
                 <a:sym typeface="Courier New"/>
               </a:rPr>
-              <a:t>    l.stream().filter(x -&gt; x &lt; 0).forEach(System.out::println);</a:t>
+              <a:t>}</a:t>
             </a:r>
             <a:endParaRPr sz="1200">
               <a:solidFill>
@@ -18164,16 +18229,7 @@
               <a:buNone/>
             </a:pPr>
             <a:r>
-              <a:rPr lang="it" sz="1200">
-                <a:solidFill>
-                  <a:schemeClr val="lt2"/>
-                </a:solidFill>
-                <a:latin typeface="Courier New"/>
-                <a:ea typeface="Courier New"/>
-                <a:cs typeface="Courier New"/>
-                <a:sym typeface="Courier New"/>
-              </a:rPr>
-              <a:t>}</a:t>
+              <a:t/>
             </a:r>
             <a:endParaRPr sz="1200">
               <a:solidFill>
@@ -18196,7 +18252,60 @@
               <a:buNone/>
             </a:pPr>
             <a:r>
-              <a:t/>
+              <a:rPr lang="it" sz="1200">
+                <a:solidFill>
+                  <a:srgbClr val="1EB540"/>
+                </a:solidFill>
+                <a:latin typeface="Courier New"/>
+                <a:ea typeface="Courier New"/>
+                <a:cs typeface="Courier New"/>
+                <a:sym typeface="Courier New"/>
+              </a:rPr>
+              <a:t>//Salvataggio dei numeri negativi in una nuova lista</a:t>
+            </a:r>
+            <a:endParaRPr sz="1200">
+              <a:solidFill>
+                <a:srgbClr val="0000BF"/>
+              </a:solidFill>
+              <a:latin typeface="Courier New"/>
+              <a:ea typeface="Courier New"/>
+              <a:cs typeface="Courier New"/>
+              <a:sym typeface="Courier New"/>
+            </a:endParaRPr>
+          </a:p>
+          <a:p>
+            <a:pPr indent="0" lvl="0" marL="0" rtl="0" algn="l">
+              <a:spcBef>
+                <a:spcPts val="0"/>
+              </a:spcBef>
+              <a:spcAft>
+                <a:spcPts val="0"/>
+              </a:spcAft>
+              <a:buNone/>
+            </a:pPr>
+            <a:r>
+              <a:rPr lang="it" sz="1200">
+                <a:solidFill>
+                  <a:srgbClr val="0000BF"/>
+                </a:solidFill>
+                <a:latin typeface="Courier New"/>
+                <a:ea typeface="Courier New"/>
+                <a:cs typeface="Courier New"/>
+                <a:sym typeface="Courier New"/>
+              </a:rPr>
+              <a:t>public void</a:t>
+            </a:r>
+            <a:r>
+              <a:rPr lang="it" sz="1200">
+                <a:solidFill>
+                  <a:schemeClr val="lt2"/>
+                </a:solidFill>
+                <a:latin typeface="Courier New"/>
+                <a:ea typeface="Courier New"/>
+                <a:cs typeface="Courier New"/>
+                <a:sym typeface="Courier New"/>
+              </a:rPr>
+              <a:t> test() {</a:t>
             </a:r>
             <a:endParaRPr sz="1200">
               <a:solidFill>
@@ -18221,50 +18330,6 @@
             <a:r>
               <a:rPr lang="it" sz="1200">
                 <a:solidFill>
-                  <a:srgbClr val="1EB540"/>
-                </a:solidFill>
-                <a:latin typeface="Courier New"/>
-                <a:ea typeface="Courier New"/>
-                <a:cs typeface="Courier New"/>
-                <a:sym typeface="Courier New"/>
-              </a:rPr>
-              <a:t>//Salvataggio dei numeri negativi in una nuova lista</a:t>
-            </a:r>
-            <a:endParaRPr sz="1200">
-              <a:solidFill>
-                <a:srgbClr val="0000BF"/>
-              </a:solidFill>
-              <a:latin typeface="Courier New"/>
-              <a:ea typeface="Courier New"/>
-              <a:cs typeface="Courier New"/>
-              <a:sym typeface="Courier New"/>
-            </a:endParaRPr>
-          </a:p>
-          <a:p>
-            <a:pPr indent="0" lvl="0" marL="0" rtl="0" algn="l">
-              <a:spcBef>
-                <a:spcPts val="0"/>
-              </a:spcBef>
-              <a:spcAft>
-                <a:spcPts val="0"/>
-              </a:spcAft>
-              <a:buNone/>
-            </a:pPr>
-            <a:r>
-              <a:rPr lang="it" sz="1200">
-                <a:solidFill>
-                  <a:srgbClr val="0000BF"/>
-                </a:solidFill>
-                <a:latin typeface="Courier New"/>
-                <a:ea typeface="Courier New"/>
-                <a:cs typeface="Courier New"/>
-                <a:sym typeface="Courier New"/>
-              </a:rPr>
-              <a:t>public void</a:t>
-            </a:r>
-            <a:r>
-              <a:rPr lang="it" sz="1200">
-                <a:solidFill>
                   <a:schemeClr val="lt2"/>
                 </a:solidFill>
                 <a:latin typeface="Courier New"/>
@@ -18272,7 +18337,7 @@
                 <a:cs typeface="Courier New"/>
                 <a:sym typeface="Courier New"/>
               </a:rPr>
-              <a:t> test() {</a:t>
+              <a:t>    List&lt;Integer&gt; l = List.of(1, 3, 2, -23, 6, 7, -1, -4, 8, 10, 11, 26);</a:t>
             </a:r>
             <a:endParaRPr sz="1200">
               <a:solidFill>
@@ -18304,7 +18369,31 @@
                 <a:cs typeface="Courier New"/>
                 <a:sym typeface="Courier New"/>
               </a:rPr>
-              <a:t>    List&lt;Integer&gt; l = List.of(1, 3, 2, -23, 6, 7, -1, -4, 8, 10, 11, 26);</a:t>
+              <a:t>    List&lt;Integer&gt; res = </a:t>
+            </a:r>
+            <a:r>
+              <a:rPr lang="it" sz="1200">
+                <a:solidFill>
+                  <a:srgbClr val="0000BF"/>
+                </a:solidFill>
+                <a:latin typeface="Courier New"/>
+                <a:ea typeface="Courier New"/>
+                <a:cs typeface="Courier New"/>
+                <a:sym typeface="Courier New"/>
+              </a:rPr>
+              <a:t>new</a:t>
+            </a:r>
+            <a:r>
+              <a:rPr lang="it" sz="1200">
+                <a:solidFill>
+                  <a:schemeClr val="lt2"/>
+                </a:solidFill>
+                <a:latin typeface="Courier New"/>
+                <a:ea typeface="Courier New"/>
+                <a:cs typeface="Courier New"/>
+                <a:sym typeface="Courier New"/>
+              </a:rPr>
+              <a:t> ArrayList&lt;Integer&gt;();</a:t>
             </a:r>
             <a:endParaRPr sz="1200">
               <a:solidFill>
@@ -18336,7 +18425,7 @@
                 <a:cs typeface="Courier New"/>
                 <a:sym typeface="Courier New"/>
               </a:rPr>
-              <a:t>    List&lt;Integer&gt; res = </a:t>
+              <a:t>    </a:t>
             </a:r>
             <a:r>
               <a:rPr lang="it" sz="1200">
@@ -18348,7 +18437,7 @@
                 <a:cs typeface="Courier New"/>
                 <a:sym typeface="Courier New"/>
               </a:rPr>
-              <a:t>new</a:t>
+              <a:t>for</a:t>
             </a:r>
             <a:r>
               <a:rPr lang="it" sz="1200">
@@ -18360,7 +18449,7 @@
                 <a:cs typeface="Courier New"/>
                 <a:sym typeface="Courier New"/>
               </a:rPr>
-              <a:t> ArrayList&lt;Integer&gt;();</a:t>
+              <a:t>(Integer i : l) {</a:t>
             </a:r>
             <a:endParaRPr sz="1200">
               <a:solidFill>
@@ -18392,7 +18481,7 @@
                 <a:cs typeface="Courier New"/>
                 <a:sym typeface="Courier New"/>
               </a:rPr>
-              <a:t>    </a:t>
+              <a:t>        </a:t>
             </a:r>
             <a:r>
               <a:rPr lang="it" sz="1200">
@@ -18404,7 +18493,7 @@
                 <a:cs typeface="Courier New"/>
                 <a:sym typeface="Courier New"/>
               </a:rPr>
-              <a:t>for</a:t>
+              <a:t>if</a:t>
             </a:r>
             <a:r>
               <a:rPr lang="it" sz="1200">
@@ -18416,7 +18505,7 @@
                 <a:cs typeface="Courier New"/>
                 <a:sym typeface="Courier New"/>
               </a:rPr>
-              <a:t>(Integer i : l) {</a:t>
+              <a:t>(i &lt; 0)</a:t>
             </a:r>
             <a:endParaRPr sz="1200">
               <a:solidFill>
@@ -18448,31 +18537,7 @@
                 <a:cs typeface="Courier New"/>
                 <a:sym typeface="Courier New"/>
               </a:rPr>
-              <a:t>        </a:t>
-            </a:r>
-            <a:r>
-              <a:rPr lang="it" sz="1200">
-                <a:solidFill>
-                  <a:srgbClr val="0000BF"/>
-                </a:solidFill>
-                <a:latin typeface="Courier New"/>
-                <a:ea typeface="Courier New"/>
-                <a:cs typeface="Courier New"/>
-                <a:sym typeface="Courier New"/>
-              </a:rPr>
-              <a:t>if</a:t>
-            </a:r>
-            <a:r>
-              <a:rPr lang="it" sz="1200">
-                <a:solidFill>
-                  <a:schemeClr val="lt2"/>
-                </a:solidFill>
-                <a:latin typeface="Courier New"/>
-                <a:ea typeface="Courier New"/>
-                <a:cs typeface="Courier New"/>
-                <a:sym typeface="Courier New"/>
-              </a:rPr>
-              <a:t>(i &lt; 0)</a:t>
+              <a:t>            res.add(i);</a:t>
             </a:r>
             <a:endParaRPr sz="1200">
               <a:solidFill>
@@ -18504,62 +18569,7 @@
                 <a:cs typeface="Courier New"/>
                 <a:sym typeface="Courier New"/>
               </a:rPr>
-              <a:t>            res.add(i);</a:t>
-            </a:r>
-            <a:endParaRPr sz="1200">
-              <a:solidFill>
-                <a:schemeClr val="lt2"/>
-              </a:solidFill>
-              <a:latin typeface="Courier New"/>
-              <a:ea typeface="Courier New"/>
-              <a:cs typeface="Courier New"/>
-              <a:sym typeface="Courier New"/>
-            </a:endParaRPr>
-          </a:p>
-          <a:p>
-            <a:pPr indent="0" lvl="0" marL="0" rtl="0" algn="l">
-              <a:spcBef>
-                <a:spcPts val="0"/>
-              </a:spcBef>
-              <a:spcAft>
-                <a:spcPts val="0"/>
-              </a:spcAft>
-              <a:buNone/>
-            </a:pPr>
-            <a:r>
-              <a:rPr lang="it" sz="1200">
-                <a:solidFill>
-                  <a:schemeClr val="lt2"/>
-                </a:solidFill>
-                <a:latin typeface="Courier New"/>
-                <a:ea typeface="Courier New"/>
-                <a:cs typeface="Courier New"/>
-                <a:sym typeface="Courier New"/>
-              </a:rPr>
               <a:t>    }</a:t>
-            </a:r>
-            <a:endParaRPr sz="1200">
-              <a:solidFill>
-                <a:schemeClr val="lt2"/>
-              </a:solidFill>
-              <a:latin typeface="Courier New"/>
-              <a:ea typeface="Courier New"/>
-              <a:cs typeface="Courier New"/>
-              <a:sym typeface="Courier New"/>
-            </a:endParaRPr>
-          </a:p>
-          <a:p>
-            <a:pPr indent="0" lvl="0" marL="0" rtl="0" algn="l">
-              <a:spcBef>
-                <a:spcPts val="0"/>
-              </a:spcBef>
-              <a:spcAft>
-                <a:spcPts val="0"/>
-              </a:spcAft>
-              <a:buNone/>
-            </a:pPr>
-            <a:r>
-              <a:t/>
             </a:r>
             <a:endParaRPr sz="1200">
               <a:solidFill>
@@ -18864,7 +18874,7 @@
         <p:spPr>
           <a:xfrm>
             <a:off x="328350" y="909450"/>
-            <a:ext cx="8366400" cy="2770500"/>
+            <a:ext cx="8366400" cy="3509400"/>
           </a:xfrm>
           <a:prstGeom prst="rect">
             <a:avLst/>
@@ -19043,7 +19053,7 @@
                 <a:cs typeface="Courier New"/>
                 <a:sym typeface="Courier New"/>
               </a:rPr>
-              <a:t> ArrayList&lt;Integer&gt;();</a:t>
+              <a:t> ArrayList&lt;&gt;();</a:t>
             </a:r>
             <a:endParaRPr sz="1200">
               <a:solidFill>
@@ -19219,7 +19229,7 @@
                 <a:cs typeface="Courier New"/>
                 <a:sym typeface="Courier New"/>
               </a:rPr>
-              <a:t>    }    </a:t>
+              <a:t>    }</a:t>
             </a:r>
             <a:endParaRPr sz="1200">
               <a:solidFill>
@@ -19242,7 +19252,28 @@
               <a:buNone/>
             </a:pPr>
             <a:r>
-              <a:t/>
+              <a:rPr lang="it" sz="1200">
+                <a:solidFill>
+                  <a:schemeClr val="lt2"/>
+                </a:solidFill>
+                <a:latin typeface="Courier New"/>
+                <a:ea typeface="Courier New"/>
+                <a:cs typeface="Courier New"/>
+                <a:sym typeface="Courier New"/>
+              </a:rPr>
+              <a:t>    </a:t>
+            </a:r>
+            <a:r>
+              <a:rPr lang="it" sz="1200">
+                <a:solidFill>
+                  <a:schemeClr val="lt2"/>
+                </a:solidFill>
+                <a:latin typeface="Courier New"/>
+                <a:ea typeface="Courier New"/>
+                <a:cs typeface="Courier New"/>
+                <a:sym typeface="Courier New"/>
+              </a:rPr>
+              <a:t>List&lt;Integer&gt; res2 = l.stream()</a:t>
             </a:r>
             <a:endParaRPr sz="1200">
               <a:solidFill>
@@ -19274,19 +19305,7 @@
                 <a:cs typeface="Courier New"/>
                 <a:sym typeface="Courier New"/>
               </a:rPr>
-              <a:t>    </a:t>
-            </a:r>
-            <a:r>
-              <a:rPr lang="it" sz="1200">
-                <a:solidFill>
-                  <a:schemeClr val="lt2"/>
-                </a:solidFill>
-                <a:latin typeface="Courier New"/>
-                <a:ea typeface="Courier New"/>
-                <a:cs typeface="Courier New"/>
-                <a:sym typeface="Courier New"/>
-              </a:rPr>
-              <a:t>List&lt;Integer&gt; res2 = l.stream()</a:t>
+              <a:t>                          .filter(x -&gt; x &gt; 0 &amp;&amp; x % 2 == 0)</a:t>
             </a:r>
             <a:endParaRPr sz="1200">
               <a:solidFill>
@@ -19318,7 +19337,7 @@
                 <a:cs typeface="Courier New"/>
                 <a:sym typeface="Courier New"/>
               </a:rPr>
-              <a:t>                          .filter(x -&gt; x &gt; 0 &amp;&amp; x % 2 == 0)</a:t>
+              <a:t>                          .map(x -&gt; x * x)</a:t>
             </a:r>
             <a:endParaRPr sz="1200">
               <a:solidFill>
@@ -19350,7 +19369,7 @@
                 <a:cs typeface="Courier New"/>
                 <a:sym typeface="Courier New"/>
               </a:rPr>
-              <a:t>                          .map(x -&gt; x * x)</a:t>
+              <a:t>                          .collect(Collectors.toList());</a:t>
             </a:r>
             <a:endParaRPr sz="1200">
               <a:solidFill>
@@ -19373,6 +19392,29 @@
               <a:buNone/>
             </a:pPr>
             <a:r>
+              <a:t/>
+            </a:r>
+            <a:endParaRPr sz="1200">
+              <a:solidFill>
+                <a:schemeClr val="lt2"/>
+              </a:solidFill>
+              <a:latin typeface="Courier New"/>
+              <a:ea typeface="Courier New"/>
+              <a:cs typeface="Courier New"/>
+              <a:sym typeface="Courier New"/>
+            </a:endParaRPr>
+          </a:p>
+          <a:p>
+            <a:pPr indent="0" lvl="0" marL="0" rtl="0" algn="l">
+              <a:spcBef>
+                <a:spcPts val="0"/>
+              </a:spcBef>
+              <a:spcAft>
+                <a:spcPts val="0"/>
+              </a:spcAft>
+              <a:buNone/>
+            </a:pPr>
+            <a:r>
               <a:rPr lang="it" sz="1200">
                 <a:solidFill>
                   <a:schemeClr val="lt2"/>
@@ -19382,7 +19424,103 @@
                 <a:cs typeface="Courier New"/>
                 <a:sym typeface="Courier New"/>
               </a:rPr>
-              <a:t>                          .collect(Collectors.toList());</a:t>
+              <a:t>    ArrayList&lt;Integer&gt; res3 = l.stream()</a:t>
+            </a:r>
+            <a:endParaRPr sz="1200">
+              <a:solidFill>
+                <a:schemeClr val="lt2"/>
+              </a:solidFill>
+              <a:latin typeface="Courier New"/>
+              <a:ea typeface="Courier New"/>
+              <a:cs typeface="Courier New"/>
+              <a:sym typeface="Courier New"/>
+            </a:endParaRPr>
+          </a:p>
+          <a:p>
+            <a:pPr indent="0" lvl="0" marL="0" rtl="0" algn="l">
+              <a:spcBef>
+                <a:spcPts val="0"/>
+              </a:spcBef>
+              <a:spcAft>
+                <a:spcPts val="0"/>
+              </a:spcAft>
+              <a:buNone/>
+            </a:pPr>
+            <a:r>
+              <a:rPr lang="it" sz="1200">
+                <a:solidFill>
+                  <a:schemeClr val="lt2"/>
+                </a:solidFill>
+                <a:latin typeface="Courier New"/>
+                <a:ea typeface="Courier New"/>
+                <a:cs typeface="Courier New"/>
+                <a:sym typeface="Courier New"/>
+              </a:rPr>
+              <a:t>                          .filter(x -&gt; x &gt; 0 &amp;&amp; x % 2 == 0)</a:t>
+            </a:r>
+            <a:endParaRPr sz="1200">
+              <a:solidFill>
+                <a:schemeClr val="lt2"/>
+              </a:solidFill>
+              <a:latin typeface="Courier New"/>
+              <a:ea typeface="Courier New"/>
+              <a:cs typeface="Courier New"/>
+              <a:sym typeface="Courier New"/>
+            </a:endParaRPr>
+          </a:p>
+          <a:p>
+            <a:pPr indent="0" lvl="0" marL="0" rtl="0" algn="l">
+              <a:spcBef>
+                <a:spcPts val="0"/>
+              </a:spcBef>
+              <a:spcAft>
+                <a:spcPts val="0"/>
+              </a:spcAft>
+              <a:buNone/>
+            </a:pPr>
+            <a:r>
+              <a:rPr lang="it" sz="1200">
+                <a:solidFill>
+                  <a:schemeClr val="lt2"/>
+                </a:solidFill>
+                <a:latin typeface="Courier New"/>
+                <a:ea typeface="Courier New"/>
+                <a:cs typeface="Courier New"/>
+                <a:sym typeface="Courier New"/>
+              </a:rPr>
+              <a:t>                          .map(x -&gt; x * x)</a:t>
+            </a:r>
+            <a:endParaRPr sz="1200">
+              <a:solidFill>
+                <a:schemeClr val="lt2"/>
+              </a:solidFill>
+              <a:latin typeface="Courier New"/>
+              <a:ea typeface="Courier New"/>
+              <a:cs typeface="Courier New"/>
+              <a:sym typeface="Courier New"/>
+            </a:endParaRPr>
+          </a:p>
+          <a:p>
+            <a:pPr indent="0" lvl="0" marL="0" rtl="0" algn="l">
+              <a:spcBef>
+                <a:spcPts val="0"/>
+              </a:spcBef>
+              <a:spcAft>
+                <a:spcPts val="0"/>
+              </a:spcAft>
+              <a:buNone/>
+            </a:pPr>
+            <a:r>
+              <a:rPr lang="it" sz="1200">
+                <a:solidFill>
+                  <a:schemeClr val="lt2"/>
+                </a:solidFill>
+                <a:latin typeface="Courier New"/>
+                <a:ea typeface="Courier New"/>
+                <a:cs typeface="Courier New"/>
+                <a:sym typeface="Courier New"/>
+              </a:rPr>
+              <a:t>                          .collect(Collectors.toCollection(ArrayList::new));</a:t>
             </a:r>
             <a:endParaRPr sz="1200">
               <a:solidFill>
@@ -22586,7 +22724,7 @@
             </a:endParaRPr>
           </a:p>
           <a:p>
-            <a:pPr indent="457200" lvl="0" marL="0" rtl="0" algn="l">
+            <a:pPr indent="0" lvl="0" marL="0" rtl="0" algn="l">
               <a:lnSpc>
                 <a:spcPct val="100000"/>
               </a:lnSpc>
@@ -22608,7 +22746,7 @@
                 <a:cs typeface="Courier New"/>
                 <a:sym typeface="Courier New"/>
               </a:rPr>
-              <a:t>boolean</a:t>
+              <a:t>    boolean</a:t>
             </a:r>
             <a:r>
               <a:rPr lang="it" sz="1200">
@@ -22627,7 +22765,7 @@
             </a:endParaRPr>
           </a:p>
           <a:p>
-            <a:pPr indent="457200" lvl="0" marL="0" rtl="0" algn="l">
+            <a:pPr indent="0" lvl="0" marL="0" rtl="0" algn="l">
               <a:lnSpc>
                 <a:spcPct val="100000"/>
               </a:lnSpc>
@@ -22649,7 +22787,7 @@
                 <a:cs typeface="Courier New"/>
                 <a:sym typeface="Courier New"/>
               </a:rPr>
-              <a:t>if</a:t>
+              <a:t>    if</a:t>
             </a:r>
             <a:r>
               <a:rPr lang="it" sz="1200">
@@ -22668,7 +22806,7 @@
             </a:endParaRPr>
           </a:p>
           <a:p>
-            <a:pPr indent="457200" lvl="0" marL="457200" rtl="0" algn="l">
+            <a:pPr indent="0" lvl="0" marL="0" rtl="0" algn="l">
               <a:lnSpc>
                 <a:spcPct val="100000"/>
               </a:lnSpc>
@@ -22687,7 +22825,7 @@
                 <a:cs typeface="Courier New"/>
                 <a:sym typeface="Courier New"/>
               </a:rPr>
-              <a:t>System.out.println(</a:t>
+              <a:t>        System.out.println(</a:t>
             </a:r>
             <a:r>
               <a:rPr lang="it" sz="1200">
@@ -22718,7 +22856,7 @@
             </a:endParaRPr>
           </a:p>
           <a:p>
-            <a:pPr indent="0" lvl="0" marL="457200" rtl="0" algn="l">
+            <a:pPr indent="0" lvl="0" marL="0" rtl="0" algn="l">
               <a:lnSpc>
                 <a:spcPct val="100000"/>
               </a:lnSpc>
@@ -22740,7 +22878,7 @@
                 <a:cs typeface="Courier New"/>
                 <a:sym typeface="Courier New"/>
               </a:rPr>
-              <a:t>else</a:t>
+              <a:t>    else</a:t>
             </a:r>
             <a:endParaRPr sz="1200">
               <a:solidFill>
@@ -22753,7 +22891,7 @@
             </a:endParaRPr>
           </a:p>
           <a:p>
-            <a:pPr indent="457200" lvl="0" marL="457200" rtl="0" algn="l">
+            <a:pPr indent="0" lvl="0" marL="0" rtl="0" algn="l">
               <a:lnSpc>
                 <a:spcPct val="100000"/>
               </a:lnSpc>
@@ -22772,7 +22910,7 @@
                 <a:cs typeface="Courier New"/>
                 <a:sym typeface="Courier New"/>
               </a:rPr>
-              <a:t>System.out.println(</a:t>
+              <a:t>        System.out.println(</a:t>
             </a:r>
             <a:r>
               <a:rPr lang="it" sz="1200">
@@ -22896,7 +23034,7 @@
             </a:endParaRPr>
           </a:p>
           <a:p>
-            <a:pPr indent="457200" lvl="0" marL="0" rtl="0" algn="l">
+            <a:pPr indent="0" lvl="0" marL="0" rtl="0" algn="l">
               <a:lnSpc>
                 <a:spcPct val="100000"/>
               </a:lnSpc>
@@ -22915,7 +23053,7 @@
                 <a:cs typeface="Courier New"/>
                 <a:sym typeface="Courier New"/>
               </a:rPr>
-              <a:t>Pattern pattern = Pattern.compile(regex);</a:t>
+              <a:t>    Pattern pattern = Pattern.compile(regex);</a:t>
             </a:r>
             <a:endParaRPr sz="1200">
               <a:latin typeface="Courier New"/>
@@ -22925,7 +23063,7 @@
             </a:endParaRPr>
           </a:p>
           <a:p>
-            <a:pPr indent="457200" lvl="0" marL="0" rtl="0" algn="l">
+            <a:pPr indent="0" lvl="0" marL="0" rtl="0" algn="l">
               <a:lnSpc>
                 <a:spcPct val="100000"/>
               </a:lnSpc>
@@ -22944,7 +23082,7 @@
                 <a:cs typeface="Courier New"/>
                 <a:sym typeface="Courier New"/>
               </a:rPr>
-              <a:t>Matcher matcher = pattern.matcher(input);</a:t>
+              <a:t>    Matcher matcher = pattern.matcher(input);</a:t>
             </a:r>
             <a:endParaRPr sz="1200">
               <a:latin typeface="Courier New"/>
@@ -22954,7 +23092,7 @@
             </a:endParaRPr>
           </a:p>
           <a:p>
-            <a:pPr indent="457200" lvl="0" marL="0" rtl="0" algn="l">
+            <a:pPr indent="0" lvl="0" marL="0" rtl="0" algn="l">
               <a:lnSpc>
                 <a:spcPct val="100000"/>
               </a:lnSpc>
@@ -22976,7 +23114,7 @@
                 <a:cs typeface="Courier New"/>
                 <a:sym typeface="Courier New"/>
               </a:rPr>
-              <a:t>boolean</a:t>
+              <a:t>    boolean</a:t>
             </a:r>
             <a:r>
               <a:rPr lang="it" sz="1200">
@@ -22995,7 +23133,7 @@
             </a:endParaRPr>
           </a:p>
           <a:p>
-            <a:pPr indent="457200" lvl="0" marL="0" rtl="0" algn="l">
+            <a:pPr indent="0" lvl="0" marL="0" rtl="0" algn="l">
               <a:lnSpc>
                 <a:spcPct val="100000"/>
               </a:lnSpc>
@@ -23017,7 +23155,7 @@
                 <a:cs typeface="Courier New"/>
                 <a:sym typeface="Courier New"/>
               </a:rPr>
-              <a:t>if</a:t>
+              <a:t>    if</a:t>
             </a:r>
             <a:r>
               <a:rPr lang="it" sz="1200">
@@ -23036,7 +23174,7 @@
             </a:endParaRPr>
           </a:p>
           <a:p>
-            <a:pPr indent="457200" lvl="0" marL="457200" rtl="0" algn="l">
+            <a:pPr indent="0" lvl="0" marL="0" rtl="0" algn="l">
               <a:lnSpc>
                 <a:spcPct val="100000"/>
               </a:lnSpc>
@@ -23055,7 +23193,7 @@
                 <a:cs typeface="Courier New"/>
                 <a:sym typeface="Courier New"/>
               </a:rPr>
-              <a:t>System.out.println(</a:t>
+              <a:t>        System.out.println(</a:t>
             </a:r>
             <a:r>
               <a:rPr lang="it" sz="1200">
@@ -23086,7 +23224,7 @@
             </a:endParaRPr>
           </a:p>
           <a:p>
-            <a:pPr indent="0" lvl="0" marL="457200" rtl="0" algn="l">
+            <a:pPr indent="0" lvl="0" marL="0" rtl="0" algn="l">
               <a:lnSpc>
                 <a:spcPct val="100000"/>
               </a:lnSpc>
@@ -23108,7 +23246,7 @@
                 <a:cs typeface="Courier New"/>
                 <a:sym typeface="Courier New"/>
               </a:rPr>
-              <a:t>else</a:t>
+              <a:t>    else</a:t>
             </a:r>
             <a:endParaRPr sz="1200">
               <a:solidFill>
@@ -23121,7 +23259,7 @@
             </a:endParaRPr>
           </a:p>
           <a:p>
-            <a:pPr indent="457200" lvl="0" marL="457200" rtl="0" algn="l">
+            <a:pPr indent="0" lvl="0" marL="0" rtl="0" algn="l">
               <a:lnSpc>
                 <a:spcPct val="100000"/>
               </a:lnSpc>
@@ -23140,7 +23278,7 @@
                 <a:cs typeface="Courier New"/>
                 <a:sym typeface="Courier New"/>
               </a:rPr>
-              <a:t>System.out.println(</a:t>
+              <a:t>        System.out.println(</a:t>
             </a:r>
             <a:r>
               <a:rPr lang="it" sz="1200">
@@ -23309,7 +23447,7 @@
             <a:tbl>
               <a:tblPr>
                 <a:noFill/>
-                <a:tableStyleId>{A334EBD6-C138-4B2C-AE11-1268A6163EA6}</a:tableStyleId>
+                <a:tableStyleId>{D6A8F258-3E76-4B30-A16D-96CB9847AFCB}</a:tableStyleId>
               </a:tblPr>
               <a:tblGrid>
                 <a:gridCol w="382850"/>
@@ -24512,7 +24650,7 @@
             <a:tbl>
               <a:tblPr>
                 <a:noFill/>
-                <a:tableStyleId>{A334EBD6-C138-4B2C-AE11-1268A6163EA6}</a:tableStyleId>
+                <a:tableStyleId>{D6A8F258-3E76-4B30-A16D-96CB9847AFCB}</a:tableStyleId>
               </a:tblPr>
               <a:tblGrid>
                 <a:gridCol w="1388075"/>
@@ -25577,7 +25715,7 @@
             <a:tbl>
               <a:tblPr>
                 <a:noFill/>
-                <a:tableStyleId>{A334EBD6-C138-4B2C-AE11-1268A6163EA6}</a:tableStyleId>
+                <a:tableStyleId>{D6A8F258-3E76-4B30-A16D-96CB9847AFCB}</a:tableStyleId>
               </a:tblPr>
               <a:tblGrid>
                 <a:gridCol w="1388075"/>
@@ -28301,6 +28439,285 @@
 </file>
 
 <file path=ppt/theme/theme1.xml><?xml version="1.0" encoding="utf-8"?>
+<a:theme xmlns:a="http://schemas.openxmlformats.org/drawingml/2006/main" xmlns:r="http://schemas.openxmlformats.org/officeDocument/2006/relationships">
+  <a:themeElements>
+    <a:clrScheme name="Default">
+      <a:dk1>
+        <a:srgbClr val="000000"/>
+      </a:dk1>
+      <a:lt1>
+        <a:srgbClr val="FFFFFF"/>
+      </a:lt1>
+      <a:dk2>
+        <a:srgbClr val="158158"/>
+      </a:dk2>
+      <a:lt2>
+        <a:srgbClr val="F3F3F3"/>
+      </a:lt2>
+      <a:accent1>
+        <a:srgbClr val="058DC7"/>
+      </a:accent1>
+      <a:accent2>
+        <a:srgbClr val="50B432"/>
+      </a:accent2>
+      <a:accent3>
+        <a:srgbClr val="ED561B"/>
+      </a:accent3>
+      <a:accent4>
+        <a:srgbClr val="EDEF00"/>
+      </a:accent4>
+      <a:accent5>
+        <a:srgbClr val="24CBE5"/>
+      </a:accent5>
+      <a:accent6>
+        <a:srgbClr val="64E572"/>
+      </a:accent6>
+      <a:hlink>
+        <a:srgbClr val="2200CC"/>
+      </a:hlink>
+      <a:folHlink>
+        <a:srgbClr val="551A8B"/>
+      </a:folHlink>
+    </a:clrScheme>
+    <a:fontScheme name="Office">
+      <a:majorFont>
+        <a:latin typeface="Arial"/>
+        <a:ea typeface=""/>
+        <a:cs typeface=""/>
+        <a:font script="Jpan" typeface="ＭＳ Ｐゴシック"/>
+        <a:font script="Hang" typeface="맑은 고딕"/>
+        <a:font script="Hans" typeface="宋体"/>
+        <a:font script="Hant" typeface="新細明體"/>
+        <a:font script="Arab" typeface="Times New Roman"/>
+        <a:font script="Hebr" typeface="Times New Roman"/>
+        <a:font script="Thai" typeface="Angsana New"/>
+        <a:font script="Ethi" typeface="Nyala"/>
+        <a:font script="Beng" typeface="Vrinda"/>
+        <a:font script="Gujr" typeface="Shruti"/>
+        <a:font script="Khmr" typeface="MoolBoran"/>
+        <a:font script="Knda" typeface="Tunga"/>
+        <a:font script="Guru" typeface="Raavi"/>
+        <a:font script="Cans" typeface="Euphemia"/>
+        <a:font script="Cher" typeface="Plantagenet Cherokee"/>
+        <a:font script="Yiii" typeface="Microsoft Yi Baiti"/>
+        <a:font script="Tibt" typeface="Microsoft Himalaya"/>
+        <a:font script="Thaa" typeface="MV Boli"/>
+        <a:font script="Deva" typeface="Mangal"/>
+        <a:font script="Telu" typeface="Gautami"/>
+        <a:font script="Taml" typeface="Latha"/>
+        <a:font script="Syrc" typeface="Estrangelo Edessa"/>
+        <a:font script="Orya" typeface="Kalinga"/>
+        <a:font script="Mlym" typeface="Kartika"/>
+        <a:font script="Laoo" typeface="DokChampa"/>
+        <a:font script="Sinh" typeface="Iskoola Pota"/>
+        <a:font script="Mong" typeface="Mongolian Baiti"/>
+        <a:font script="Viet" typeface="Times New Roman"/>
+        <a:font script="Uigh" typeface="Microsoft Uighur"/>
+        <a:font script="Geor" typeface="Sylfaen"/>
+      </a:majorFont>
+      <a:minorFont>
+        <a:latin typeface="Arial"/>
+        <a:ea typeface=""/>
+        <a:cs typeface=""/>
+        <a:font script="Jpan" typeface="ＭＳ Ｐゴシック"/>
+        <a:font script="Hang" typeface="맑은 고딕"/>
+        <a:font script="Hans" typeface="宋体"/>
+        <a:font script="Hant" typeface="新細明體"/>
+        <a:font script="Arab" typeface="Arial"/>
+        <a:font script="Hebr" typeface="Arial"/>
+        <a:font script="Thai" typeface="Cordia New"/>
+        <a:font script="Ethi" typeface="Nyala"/>
+        <a:font script="Beng" typeface="Vrinda"/>
+        <a:font script="Gujr" typeface="Shruti"/>
+        <a:font script="Khmr" typeface="DaunPenh"/>
+        <a:font script="Knda" typeface="Tunga"/>
+        <a:font script="Guru" typeface="Raavi"/>
+        <a:font script="Cans" typeface="Euphemia"/>
+        <a:font script="Cher" typeface="Plantagenet Cherokee"/>
+        <a:font script="Yiii" typeface="Microsoft Yi Baiti"/>
+        <a:font script="Tibt" typeface="Microsoft Himalaya"/>
+        <a:font script="Thaa" typeface="MV Boli"/>
+        <a:font script="Deva" typeface="Mangal"/>
+        <a:font script="Telu" typeface="Gautami"/>
+        <a:font script="Taml" typeface="Latha"/>
+        <a:font script="Syrc" typeface="Estrangelo Edessa"/>
+        <a:font script="Orya" typeface="Kalinga"/>
+        <a:font script="Mlym" typeface="Kartika"/>
+        <a:font script="Laoo" typeface="DokChampa"/>
+        <a:font script="Sinh" typeface="Iskoola Pota"/>
+        <a:font script="Mong" typeface="Mongolian Baiti"/>
+        <a:font script="Viet" typeface="Arial"/>
+        <a:font script="Uigh" typeface="Microsoft Uighur"/>
+        <a:font script="Geor" typeface="Sylfaen"/>
+      </a:minorFont>
+    </a:fontScheme>
+    <a:fmtScheme name="Office">
+      <a:fillStyleLst>
+        <a:solidFill>
+          <a:schemeClr val="phClr"/>
+        </a:solidFill>
+        <a:gradFill rotWithShape="1">
+          <a:gsLst>
+            <a:gs pos="0">
+              <a:schemeClr val="phClr">
+                <a:tint val="50000"/>
+                <a:satMod val="300000"/>
+              </a:schemeClr>
+            </a:gs>
+            <a:gs pos="35000">
+              <a:schemeClr val="phClr">
+                <a:tint val="37000"/>
+                <a:satMod val="300000"/>
+              </a:schemeClr>
+            </a:gs>
+            <a:gs pos="100000">
+              <a:schemeClr val="phClr">
+                <a:tint val="15000"/>
+                <a:satMod val="350000"/>
+              </a:schemeClr>
+            </a:gs>
+          </a:gsLst>
+          <a:lin ang="16200000" scaled="1"/>
+        </a:gradFill>
+        <a:gradFill rotWithShape="1">
+          <a:gsLst>
+            <a:gs pos="0">
+              <a:schemeClr val="phClr">
+                <a:tint val="100000"/>
+                <a:shade val="100000"/>
+                <a:satMod val="130000"/>
+              </a:schemeClr>
+            </a:gs>
+            <a:gs pos="100000">
+              <a:schemeClr val="phClr">
+                <a:tint val="50000"/>
+                <a:shade val="100000"/>
+                <a:satMod val="350000"/>
+              </a:schemeClr>
+            </a:gs>
+          </a:gsLst>
+          <a:lin ang="16200000" scaled="0"/>
+        </a:gradFill>
+      </a:fillStyleLst>
+      <a:lnStyleLst>
+        <a:ln w="9525" cap="flat" cmpd="sng" algn="ctr">
+          <a:solidFill>
+            <a:schemeClr val="phClr">
+              <a:shade val="95000"/>
+              <a:satMod val="105000"/>
+            </a:schemeClr>
+          </a:solidFill>
+          <a:prstDash val="solid"/>
+        </a:ln>
+        <a:ln w="25400" cap="flat" cmpd="sng" algn="ctr">
+          <a:solidFill>
+            <a:schemeClr val="phClr"/>
+          </a:solidFill>
+          <a:prstDash val="solid"/>
+        </a:ln>
+        <a:ln w="38100" cap="flat" cmpd="sng" algn="ctr">
+          <a:solidFill>
+            <a:schemeClr val="phClr"/>
+          </a:solidFill>
+          <a:prstDash val="solid"/>
+        </a:ln>
+      </a:lnStyleLst>
+      <a:effectStyleLst>
+        <a:effectStyle>
+          <a:effectLst>
+            <a:outerShdw blurRad="40000" dist="20000" dir="5400000" rotWithShape="0">
+              <a:srgbClr val="000000">
+                <a:alpha val="38000"/>
+              </a:srgbClr>
+            </a:outerShdw>
+          </a:effectLst>
+        </a:effectStyle>
+        <a:effectStyle>
+          <a:effectLst>
+            <a:outerShdw blurRad="40000" dist="23000" dir="5400000" rotWithShape="0">
+              <a:srgbClr val="000000">
+                <a:alpha val="35000"/>
+              </a:srgbClr>
+            </a:outerShdw>
+          </a:effectLst>
+        </a:effectStyle>
+        <a:effectStyle>
+          <a:effectLst>
+            <a:outerShdw blurRad="40000" dist="23000" dir="5400000" rotWithShape="0">
+              <a:srgbClr val="000000">
+                <a:alpha val="35000"/>
+              </a:srgbClr>
+            </a:outerShdw>
+          </a:effectLst>
+          <a:scene3d>
+            <a:camera prst="orthographicFront">
+              <a:rot lat="0" lon="0" rev="0"/>
+            </a:camera>
+            <a:lightRig rig="threePt" dir="t">
+              <a:rot lat="0" lon="0" rev="1200000"/>
+            </a:lightRig>
+          </a:scene3d>
+          <a:sp3d>
+            <a:bevelT w="63500" h="25400"/>
+          </a:sp3d>
+        </a:effectStyle>
+      </a:effectStyleLst>
+      <a:bgFillStyleLst>
+        <a:solidFill>
+          <a:schemeClr val="phClr"/>
+        </a:solidFill>
+        <a:gradFill rotWithShape="1">
+          <a:gsLst>
+            <a:gs pos="0">
+              <a:schemeClr val="phClr">
+                <a:tint val="40000"/>
+                <a:satMod val="350000"/>
+              </a:schemeClr>
+            </a:gs>
+            <a:gs pos="40000">
+              <a:schemeClr val="phClr">
+                <a:tint val="45000"/>
+                <a:shade val="99000"/>
+                <a:satMod val="350000"/>
+              </a:schemeClr>
+            </a:gs>
+            <a:gs pos="100000">
+              <a:schemeClr val="phClr">
+                <a:shade val="20000"/>
+                <a:satMod val="255000"/>
+              </a:schemeClr>
+            </a:gs>
+          </a:gsLst>
+          <a:path path="circle">
+            <a:fillToRect l="50000" t="-80000" r="50000" b="180000"/>
+          </a:path>
+        </a:gradFill>
+        <a:gradFill rotWithShape="1">
+          <a:gsLst>
+            <a:gs pos="0">
+              <a:schemeClr val="phClr">
+                <a:tint val="80000"/>
+                <a:satMod val="300000"/>
+              </a:schemeClr>
+            </a:gs>
+            <a:gs pos="100000">
+              <a:schemeClr val="phClr">
+                <a:shade val="30000"/>
+                <a:satMod val="200000"/>
+              </a:schemeClr>
+            </a:gs>
+          </a:gsLst>
+          <a:path path="circle">
+            <a:fillToRect l="50000" t="50000" r="50000" b="50000"/>
+          </a:path>
+        </a:gradFill>
+      </a:bgFillStyleLst>
+    </a:fmtScheme>
+  </a:themeElements>
+</a:theme>
+</file>
+
+<file path=ppt/theme/theme2.xml><?xml version="1.0" encoding="utf-8"?>
 <a:theme xmlns:a="http://schemas.openxmlformats.org/drawingml/2006/main" xmlns:r="http://schemas.openxmlformats.org/officeDocument/2006/relationships" name="Material">
   <a:themeElements>
     <a:clrScheme name="Material">
@@ -28577,283 +28994,4 @@
     </a:fmtScheme>
   </a:themeElements>
 </a:theme>
-</file>
-
-<file path=ppt/theme/theme2.xml><?xml version="1.0" encoding="utf-8"?>
-<a:theme xmlns:a="http://schemas.openxmlformats.org/drawingml/2006/main" xmlns:r="http://schemas.openxmlformats.org/officeDocument/2006/relationships">
-  <a:themeElements>
-    <a:clrScheme name="Default">
-      <a:dk1>
-        <a:srgbClr val="000000"/>
-      </a:dk1>
-      <a:lt1>
-        <a:srgbClr val="FFFFFF"/>
-      </a:lt1>
-      <a:dk2>
-        <a:srgbClr val="158158"/>
-      </a:dk2>
-      <a:lt2>
-        <a:srgbClr val="F3F3F3"/>
-      </a:lt2>
-      <a:accent1>
-        <a:srgbClr val="058DC7"/>
-      </a:accent1>
-      <a:accent2>
-        <a:srgbClr val="50B432"/>
-      </a:accent2>
-      <a:accent3>
-        <a:srgbClr val="ED561B"/>
-      </a:accent3>
-      <a:accent4>
-        <a:srgbClr val="EDEF00"/>
-      </a:accent4>
-      <a:accent5>
-        <a:srgbClr val="24CBE5"/>
-      </a:accent5>
-      <a:accent6>
-        <a:srgbClr val="64E572"/>
-      </a:accent6>
-      <a:hlink>
-        <a:srgbClr val="2200CC"/>
-      </a:hlink>
-      <a:folHlink>
-        <a:srgbClr val="551A8B"/>
-      </a:folHlink>
-    </a:clrScheme>
-    <a:fontScheme name="Office">
-      <a:majorFont>
-        <a:latin typeface="Arial"/>
-        <a:ea typeface=""/>
-        <a:cs typeface=""/>
-        <a:font script="Jpan" typeface="ＭＳ Ｐゴシック"/>
-        <a:font script="Hang" typeface="맑은 고딕"/>
-        <a:font script="Hans" typeface="宋体"/>
-        <a:font script="Hant" typeface="新細明體"/>
-        <a:font script="Arab" typeface="Times New Roman"/>
-        <a:font script="Hebr" typeface="Times New Roman"/>
-        <a:font script="Thai" typeface="Angsana New"/>
-        <a:font script="Ethi" typeface="Nyala"/>
-        <a:font script="Beng" typeface="Vrinda"/>
-        <a:font script="Gujr" typeface="Shruti"/>
-        <a:font script="Khmr" typeface="MoolBoran"/>
-        <a:font script="Knda" typeface="Tunga"/>
-        <a:font script="Guru" typeface="Raavi"/>
-        <a:font script="Cans" typeface="Euphemia"/>
-        <a:font script="Cher" typeface="Plantagenet Cherokee"/>
-        <a:font script="Yiii" typeface="Microsoft Yi Baiti"/>
-        <a:font script="Tibt" typeface="Microsoft Himalaya"/>
-        <a:font script="Thaa" typeface="MV Boli"/>
-        <a:font script="Deva" typeface="Mangal"/>
-        <a:font script="Telu" typeface="Gautami"/>
-        <a:font script="Taml" typeface="Latha"/>
-        <a:font script="Syrc" typeface="Estrangelo Edessa"/>
-        <a:font script="Orya" typeface="Kalinga"/>
-        <a:font script="Mlym" typeface="Kartika"/>
-        <a:font script="Laoo" typeface="DokChampa"/>
-        <a:font script="Sinh" typeface="Iskoola Pota"/>
-        <a:font script="Mong" typeface="Mongolian Baiti"/>
-        <a:font script="Viet" typeface="Times New Roman"/>
-        <a:font script="Uigh" typeface="Microsoft Uighur"/>
-        <a:font script="Geor" typeface="Sylfaen"/>
-      </a:majorFont>
-      <a:minorFont>
-        <a:latin typeface="Arial"/>
-        <a:ea typeface=""/>
-        <a:cs typeface=""/>
-        <a:font script="Jpan" typeface="ＭＳ Ｐゴシック"/>
-        <a:font script="Hang" typeface="맑은 고딕"/>
-        <a:font script="Hans" typeface="宋体"/>
-        <a:font script="Hant" typeface="新細明體"/>
-        <a:font script="Arab" typeface="Arial"/>
-        <a:font script="Hebr" typeface="Arial"/>
-        <a:font script="Thai" typeface="Cordia New"/>
-        <a:font script="Ethi" typeface="Nyala"/>
-        <a:font script="Beng" typeface="Vrinda"/>
-        <a:font script="Gujr" typeface="Shruti"/>
-        <a:font script="Khmr" typeface="DaunPenh"/>
-        <a:font script="Knda" typeface="Tunga"/>
-        <a:font script="Guru" typeface="Raavi"/>
-        <a:font script="Cans" typeface="Euphemia"/>
-        <a:font script="Cher" typeface="Plantagenet Cherokee"/>
-        <a:font script="Yiii" typeface="Microsoft Yi Baiti"/>
-        <a:font script="Tibt" typeface="Microsoft Himalaya"/>
-        <a:font script="Thaa" typeface="MV Boli"/>
-        <a:font script="Deva" typeface="Mangal"/>
-        <a:font script="Telu" typeface="Gautami"/>
-        <a:font script="Taml" typeface="Latha"/>
-        <a:font script="Syrc" typeface="Estrangelo Edessa"/>
-        <a:font script="Orya" typeface="Kalinga"/>
-        <a:font script="Mlym" typeface="Kartika"/>
-        <a:font script="Laoo" typeface="DokChampa"/>
-        <a:font script="Sinh" typeface="Iskoola Pota"/>
-        <a:font script="Mong" typeface="Mongolian Baiti"/>
-        <a:font script="Viet" typeface="Arial"/>
-        <a:font script="Uigh" typeface="Microsoft Uighur"/>
-        <a:font script="Geor" typeface="Sylfaen"/>
-      </a:minorFont>
-    </a:fontScheme>
-    <a:fmtScheme name="Office">
-      <a:fillStyleLst>
-        <a:solidFill>
-          <a:schemeClr val="phClr"/>
-        </a:solidFill>
-        <a:gradFill rotWithShape="1">
-          <a:gsLst>
-            <a:gs pos="0">
-              <a:schemeClr val="phClr">
-                <a:tint val="50000"/>
-                <a:satMod val="300000"/>
-              </a:schemeClr>
-            </a:gs>
-            <a:gs pos="35000">
-              <a:schemeClr val="phClr">
-                <a:tint val="37000"/>
-                <a:satMod val="300000"/>
-              </a:schemeClr>
-            </a:gs>
-            <a:gs pos="100000">
-              <a:schemeClr val="phClr">
-                <a:tint val="15000"/>
-                <a:satMod val="350000"/>
-              </a:schemeClr>
-            </a:gs>
-          </a:gsLst>
-          <a:lin ang="16200000" scaled="1"/>
-        </a:gradFill>
-        <a:gradFill rotWithShape="1">
-          <a:gsLst>
-            <a:gs pos="0">
-              <a:schemeClr val="phClr">
-                <a:tint val="100000"/>
-                <a:shade val="100000"/>
-                <a:satMod val="130000"/>
-              </a:schemeClr>
-            </a:gs>
-            <a:gs pos="100000">
-              <a:schemeClr val="phClr">
-                <a:tint val="50000"/>
-                <a:shade val="100000"/>
-                <a:satMod val="350000"/>
-              </a:schemeClr>
-            </a:gs>
-          </a:gsLst>
-          <a:lin ang="16200000" scaled="0"/>
-        </a:gradFill>
-      </a:fillStyleLst>
-      <a:lnStyleLst>
-        <a:ln w="9525" cap="flat" cmpd="sng" algn="ctr">
-          <a:solidFill>
-            <a:schemeClr val="phClr">
-              <a:shade val="95000"/>
-              <a:satMod val="105000"/>
-            </a:schemeClr>
-          </a:solidFill>
-          <a:prstDash val="solid"/>
-        </a:ln>
-        <a:ln w="25400" cap="flat" cmpd="sng" algn="ctr">
-          <a:solidFill>
-            <a:schemeClr val="phClr"/>
-          </a:solidFill>
-          <a:prstDash val="solid"/>
-        </a:ln>
-        <a:ln w="38100" cap="flat" cmpd="sng" algn="ctr">
-          <a:solidFill>
-            <a:schemeClr val="phClr"/>
-          </a:solidFill>
-          <a:prstDash val="solid"/>
-        </a:ln>
-      </a:lnStyleLst>
-      <a:effectStyleLst>
-        <a:effectStyle>
-          <a:effectLst>
-            <a:outerShdw blurRad="40000" dist="20000" dir="5400000" rotWithShape="0">
-              <a:srgbClr val="000000">
-                <a:alpha val="38000"/>
-              </a:srgbClr>
-            </a:outerShdw>
-          </a:effectLst>
-        </a:effectStyle>
-        <a:effectStyle>
-          <a:effectLst>
-            <a:outerShdw blurRad="40000" dist="23000" dir="5400000" rotWithShape="0">
-              <a:srgbClr val="000000">
-                <a:alpha val="35000"/>
-              </a:srgbClr>
-            </a:outerShdw>
-          </a:effectLst>
-        </a:effectStyle>
-        <a:effectStyle>
-          <a:effectLst>
-            <a:outerShdw blurRad="40000" dist="23000" dir="5400000" rotWithShape="0">
-              <a:srgbClr val="000000">
-                <a:alpha val="35000"/>
-              </a:srgbClr>
-            </a:outerShdw>
-          </a:effectLst>
-          <a:scene3d>
-            <a:camera prst="orthographicFront">
-              <a:rot lat="0" lon="0" rev="0"/>
-            </a:camera>
-            <a:lightRig rig="threePt" dir="t">
-              <a:rot lat="0" lon="0" rev="1200000"/>
-            </a:lightRig>
-          </a:scene3d>
-          <a:sp3d>
-            <a:bevelT w="63500" h="25400"/>
-          </a:sp3d>
-        </a:effectStyle>
-      </a:effectStyleLst>
-      <a:bgFillStyleLst>
-        <a:solidFill>
-          <a:schemeClr val="phClr"/>
-        </a:solidFill>
-        <a:gradFill rotWithShape="1">
-          <a:gsLst>
-            <a:gs pos="0">
-              <a:schemeClr val="phClr">
-                <a:tint val="40000"/>
-                <a:satMod val="350000"/>
-              </a:schemeClr>
-            </a:gs>
-            <a:gs pos="40000">
-              <a:schemeClr val="phClr">
-                <a:tint val="45000"/>
-                <a:shade val="99000"/>
-                <a:satMod val="350000"/>
-              </a:schemeClr>
-            </a:gs>
-            <a:gs pos="100000">
-              <a:schemeClr val="phClr">
-                <a:shade val="20000"/>
-                <a:satMod val="255000"/>
-              </a:schemeClr>
-            </a:gs>
-          </a:gsLst>
-          <a:path path="circle">
-            <a:fillToRect l="50000" t="-80000" r="50000" b="180000"/>
-          </a:path>
-        </a:gradFill>
-        <a:gradFill rotWithShape="1">
-          <a:gsLst>
-            <a:gs pos="0">
-              <a:schemeClr val="phClr">
-                <a:tint val="80000"/>
-                <a:satMod val="300000"/>
-              </a:schemeClr>
-            </a:gs>
-            <a:gs pos="100000">
-              <a:schemeClr val="phClr">
-                <a:shade val="30000"/>
-                <a:satMod val="200000"/>
-              </a:schemeClr>
-            </a:gs>
-          </a:gsLst>
-          <a:path path="circle">
-            <a:fillToRect l="50000" t="50000" r="50000" b="50000"/>
-          </a:path>
-        </a:gradFill>
-      </a:bgFillStyleLst>
-    </a:fmtScheme>
-  </a:themeElements>
-</a:theme>
 </file>
--- a/Slides/1 - Java/06 - Java - Espressioni Regolari e Streams.pptx
+++ b/Slides/1 - Java/06 - Java - Espressioni Regolari e Streams.pptx
@@ -23447,7 +23447,7 @@
             <a:tbl>
               <a:tblPr>
                 <a:noFill/>
-                <a:tableStyleId>{D6A8F258-3E76-4B30-A16D-96CB9847AFCB}</a:tableStyleId>
+                <a:tableStyleId>{17D93281-8A2D-4398-A74F-6053AAC8AB56}</a:tableStyleId>
               </a:tblPr>
               <a:tblGrid>
                 <a:gridCol w="382850"/>
@@ -24650,7 +24650,7 @@
             <a:tbl>
               <a:tblPr>
                 <a:noFill/>
-                <a:tableStyleId>{D6A8F258-3E76-4B30-A16D-96CB9847AFCB}</a:tableStyleId>
+                <a:tableStyleId>{17D93281-8A2D-4398-A74F-6053AAC8AB56}</a:tableStyleId>
               </a:tblPr>
               <a:tblGrid>
                 <a:gridCol w="1388075"/>
@@ -25715,7 +25715,7 @@
             <a:tbl>
               <a:tblPr>
                 <a:noFill/>
-                <a:tableStyleId>{D6A8F258-3E76-4B30-A16D-96CB9847AFCB}</a:tableStyleId>
+                <a:tableStyleId>{17D93281-8A2D-4398-A74F-6053AAC8AB56}</a:tableStyleId>
               </a:tblPr>
               <a:tblGrid>
                 <a:gridCol w="1388075"/>
@@ -28439,6 +28439,285 @@
 </file>
 
 <file path=ppt/theme/theme1.xml><?xml version="1.0" encoding="utf-8"?>
+<a:theme xmlns:a="http://schemas.openxmlformats.org/drawingml/2006/main" xmlns:r="http://schemas.openxmlformats.org/officeDocument/2006/relationships" name="Material">
+  <a:themeElements>
+    <a:clrScheme name="Material">
+      <a:dk1>
+        <a:srgbClr val="4285F4"/>
+      </a:dk1>
+      <a:lt1>
+        <a:srgbClr val="FFFFFF"/>
+      </a:lt1>
+      <a:dk2>
+        <a:srgbClr val="424242"/>
+      </a:dk2>
+      <a:lt2>
+        <a:srgbClr val="737373"/>
+      </a:lt2>
+      <a:accent1>
+        <a:srgbClr val="0277BD"/>
+      </a:accent1>
+      <a:accent2>
+        <a:srgbClr val="0F9D58"/>
+      </a:accent2>
+      <a:accent3>
+        <a:srgbClr val="DB4437"/>
+      </a:accent3>
+      <a:accent4>
+        <a:srgbClr val="FAFAFA"/>
+      </a:accent4>
+      <a:accent5>
+        <a:srgbClr val="4FC3F7"/>
+      </a:accent5>
+      <a:accent6>
+        <a:srgbClr val="F4B400"/>
+      </a:accent6>
+      <a:hlink>
+        <a:srgbClr val="4FC3F7"/>
+      </a:hlink>
+      <a:folHlink>
+        <a:srgbClr val="4FC3F7"/>
+      </a:folHlink>
+    </a:clrScheme>
+    <a:fontScheme name="Office">
+      <a:majorFont>
+        <a:latin typeface="Arial"/>
+        <a:ea typeface=""/>
+        <a:cs typeface=""/>
+        <a:font script="Jpan" typeface="ＭＳ Ｐゴシック"/>
+        <a:font script="Hang" typeface="맑은 고딕"/>
+        <a:font script="Hans" typeface="宋体"/>
+        <a:font script="Hant" typeface="新細明體"/>
+        <a:font script="Arab" typeface="Times New Roman"/>
+        <a:font script="Hebr" typeface="Times New Roman"/>
+        <a:font script="Thai" typeface="Angsana New"/>
+        <a:font script="Ethi" typeface="Nyala"/>
+        <a:font script="Beng" typeface="Vrinda"/>
+        <a:font script="Gujr" typeface="Shruti"/>
+        <a:font script="Khmr" typeface="MoolBoran"/>
+        <a:font script="Knda" typeface="Tunga"/>
+        <a:font script="Guru" typeface="Raavi"/>
+        <a:font script="Cans" typeface="Euphemia"/>
+        <a:font script="Cher" typeface="Plantagenet Cherokee"/>
+        <a:font script="Yiii" typeface="Microsoft Yi Baiti"/>
+        <a:font script="Tibt" typeface="Microsoft Himalaya"/>
+        <a:font script="Thaa" typeface="MV Boli"/>
+        <a:font script="Deva" typeface="Mangal"/>
+        <a:font script="Telu" typeface="Gautami"/>
+        <a:font script="Taml" typeface="Latha"/>
+        <a:font script="Syrc" typeface="Estrangelo Edessa"/>
+        <a:font script="Orya" typeface="Kalinga"/>
+        <a:font script="Mlym" typeface="Kartika"/>
+        <a:font script="Laoo" typeface="DokChampa"/>
+        <a:font script="Sinh" typeface="Iskoola Pota"/>
+        <a:font script="Mong" typeface="Mongolian Baiti"/>
+        <a:font script="Viet" typeface="Times New Roman"/>
+        <a:font script="Uigh" typeface="Microsoft Uighur"/>
+        <a:font script="Geor" typeface="Sylfaen"/>
+      </a:majorFont>
+      <a:minorFont>
+        <a:latin typeface="Arial"/>
+        <a:ea typeface=""/>
+        <a:cs typeface=""/>
+        <a:font script="Jpan" typeface="ＭＳ Ｐゴシック"/>
+        <a:font script="Hang" typeface="맑은 고딕"/>
+        <a:font script="Hans" typeface="宋体"/>
+        <a:font script="Hant" typeface="新細明體"/>
+        <a:font script="Arab" typeface="Arial"/>
+        <a:font script="Hebr" typeface="Arial"/>
+        <a:font script="Thai" typeface="Cordia New"/>
+        <a:font script="Ethi" typeface="Nyala"/>
+        <a:font script="Beng" typeface="Vrinda"/>
+        <a:font script="Gujr" typeface="Shruti"/>
+        <a:font script="Khmr" typeface="DaunPenh"/>
+        <a:font script="Knda" typeface="Tunga"/>
+        <a:font script="Guru" typeface="Raavi"/>
+        <a:font script="Cans" typeface="Euphemia"/>
+        <a:font script="Cher" typeface="Plantagenet Cherokee"/>
+        <a:font script="Yiii" typeface="Microsoft Yi Baiti"/>
+        <a:font script="Tibt" typeface="Microsoft Himalaya"/>
+        <a:font script="Thaa" typeface="MV Boli"/>
+        <a:font script="Deva" typeface="Mangal"/>
+        <a:font script="Telu" typeface="Gautami"/>
+        <a:font script="Taml" typeface="Latha"/>
+        <a:font script="Syrc" typeface="Estrangelo Edessa"/>
+        <a:font script="Orya" typeface="Kalinga"/>
+        <a:font script="Mlym" typeface="Kartika"/>
+        <a:font script="Laoo" typeface="DokChampa"/>
+        <a:font script="Sinh" typeface="Iskoola Pota"/>
+        <a:font script="Mong" typeface="Mongolian Baiti"/>
+        <a:font script="Viet" typeface="Arial"/>
+        <a:font script="Uigh" typeface="Microsoft Uighur"/>
+        <a:font script="Geor" typeface="Sylfaen"/>
+      </a:minorFont>
+    </a:fontScheme>
+    <a:fmtScheme name="Office">
+      <a:fillStyleLst>
+        <a:solidFill>
+          <a:schemeClr val="phClr"/>
+        </a:solidFill>
+        <a:gradFill rotWithShape="1">
+          <a:gsLst>
+            <a:gs pos="0">
+              <a:schemeClr val="phClr">
+                <a:tint val="50000"/>
+                <a:satMod val="300000"/>
+              </a:schemeClr>
+            </a:gs>
+            <a:gs pos="35000">
+              <a:schemeClr val="phClr">
+                <a:tint val="37000"/>
+                <a:satMod val="300000"/>
+              </a:schemeClr>
+            </a:gs>
+            <a:gs pos="100000">
+              <a:schemeClr val="phClr">
+                <a:tint val="15000"/>
+                <a:satMod val="350000"/>
+              </a:schemeClr>
+            </a:gs>
+          </a:gsLst>
+          <a:lin ang="16200000" scaled="1"/>
+        </a:gradFill>
+        <a:gradFill rotWithShape="1">
+          <a:gsLst>
+            <a:gs pos="0">
+              <a:schemeClr val="phClr">
+                <a:tint val="100000"/>
+                <a:shade val="100000"/>
+                <a:satMod val="130000"/>
+              </a:schemeClr>
+            </a:gs>
+            <a:gs pos="100000">
+              <a:schemeClr val="phClr">
+                <a:tint val="50000"/>
+                <a:shade val="100000"/>
+                <a:satMod val="350000"/>
+              </a:schemeClr>
+            </a:gs>
+          </a:gsLst>
+          <a:lin ang="16200000" scaled="0"/>
+        </a:gradFill>
+      </a:fillStyleLst>
+      <a:lnStyleLst>
+        <a:ln w="9525" cap="flat" cmpd="sng" algn="ctr">
+          <a:solidFill>
+            <a:schemeClr val="phClr">
+              <a:shade val="95000"/>
+              <a:satMod val="105000"/>
+            </a:schemeClr>
+          </a:solidFill>
+          <a:prstDash val="solid"/>
+        </a:ln>
+        <a:ln w="25400" cap="flat" cmpd="sng" algn="ctr">
+          <a:solidFill>
+            <a:schemeClr val="phClr"/>
+          </a:solidFill>
+          <a:prstDash val="solid"/>
+        </a:ln>
+        <a:ln w="38100" cap="flat" cmpd="sng" algn="ctr">
+          <a:solidFill>
+            <a:schemeClr val="phClr"/>
+          </a:solidFill>
+          <a:prstDash val="solid"/>
+        </a:ln>
+      </a:lnStyleLst>
+      <a:effectStyleLst>
+        <a:effectStyle>
+          <a:effectLst>
+            <a:outerShdw blurRad="40000" dist="20000" dir="5400000" rotWithShape="0">
+              <a:srgbClr val="000000">
+                <a:alpha val="38000"/>
+              </a:srgbClr>
+            </a:outerShdw>
+          </a:effectLst>
+        </a:effectStyle>
+        <a:effectStyle>
+          <a:effectLst>
+            <a:outerShdw blurRad="40000" dist="23000" dir="5400000" rotWithShape="0">
+              <a:srgbClr val="000000">
+                <a:alpha val="35000"/>
+              </a:srgbClr>
+            </a:outerShdw>
+          </a:effectLst>
+        </a:effectStyle>
+        <a:effectStyle>
+          <a:effectLst>
+            <a:outerShdw blurRad="40000" dist="23000" dir="5400000" rotWithShape="0">
+              <a:srgbClr val="000000">
+                <a:alpha val="35000"/>
+              </a:srgbClr>
+            </a:outerShdw>
+          </a:effectLst>
+          <a:scene3d>
+            <a:camera prst="orthographicFront">
+              <a:rot lat="0" lon="0" rev="0"/>
+            </a:camera>
+            <a:lightRig rig="threePt" dir="t">
+              <a:rot lat="0" lon="0" rev="1200000"/>
+            </a:lightRig>
+          </a:scene3d>
+          <a:sp3d>
+            <a:bevelT w="63500" h="25400"/>
+          </a:sp3d>
+        </a:effectStyle>
+      </a:effectStyleLst>
+      <a:bgFillStyleLst>
+        <a:solidFill>
+          <a:schemeClr val="phClr"/>
+        </a:solidFill>
+        <a:gradFill rotWithShape="1">
+          <a:gsLst>
+            <a:gs pos="0">
+              <a:schemeClr val="phClr">
+                <a:tint val="40000"/>
+                <a:satMod val="350000"/>
+              </a:schemeClr>
+            </a:gs>
+            <a:gs pos="40000">
+              <a:schemeClr val="phClr">
+                <a:tint val="45000"/>
+                <a:shade val="99000"/>
+                <a:satMod val="350000"/>
+              </a:schemeClr>
+            </a:gs>
+            <a:gs pos="100000">
+              <a:schemeClr val="phClr">
+                <a:shade val="20000"/>
+                <a:satMod val="255000"/>
+              </a:schemeClr>
+            </a:gs>
+          </a:gsLst>
+          <a:path path="circle">
+            <a:fillToRect l="50000" t="-80000" r="50000" b="180000"/>
+          </a:path>
+        </a:gradFill>
+        <a:gradFill rotWithShape="1">
+          <a:gsLst>
+            <a:gs pos="0">
+              <a:schemeClr val="phClr">
+                <a:tint val="80000"/>
+                <a:satMod val="300000"/>
+              </a:schemeClr>
+            </a:gs>
+            <a:gs pos="100000">
+              <a:schemeClr val="phClr">
+                <a:shade val="30000"/>
+                <a:satMod val="200000"/>
+              </a:schemeClr>
+            </a:gs>
+          </a:gsLst>
+          <a:path path="circle">
+            <a:fillToRect l="50000" t="50000" r="50000" b="50000"/>
+          </a:path>
+        </a:gradFill>
+      </a:bgFillStyleLst>
+    </a:fmtScheme>
+  </a:themeElements>
+</a:theme>
+</file>
+
+<file path=ppt/theme/theme2.xml><?xml version="1.0" encoding="utf-8"?>
 <a:theme xmlns:a="http://schemas.openxmlformats.org/drawingml/2006/main" xmlns:r="http://schemas.openxmlformats.org/officeDocument/2006/relationships">
   <a:themeElements>
     <a:clrScheme name="Default">
@@ -28715,283 +28994,4 @@
     </a:fmtScheme>
   </a:themeElements>
 </a:theme>
-</file>
-
-<file path=ppt/theme/theme2.xml><?xml version="1.0" encoding="utf-8"?>
-<a:theme xmlns:a="http://schemas.openxmlformats.org/drawingml/2006/main" xmlns:r="http://schemas.openxmlformats.org/officeDocument/2006/relationships" name="Material">
-  <a:themeElements>
-    <a:clrScheme name="Material">
-      <a:dk1>
-        <a:srgbClr val="4285F4"/>
-      </a:dk1>
-      <a:lt1>
-        <a:srgbClr val="FFFFFF"/>
-      </a:lt1>
-      <a:dk2>
-        <a:srgbClr val="424242"/>
-      </a:dk2>
-      <a:lt2>
-        <a:srgbClr val="737373"/>
-      </a:lt2>
-      <a:accent1>
-        <a:srgbClr val="0277BD"/>
-      </a:accent1>
-      <a:accent2>
-        <a:srgbClr val="0F9D58"/>
-      </a:accent2>
-      <a:accent3>
-        <a:srgbClr val="DB4437"/>
-      </a:accent3>
-      <a:accent4>
-        <a:srgbClr val="FAFAFA"/>
-      </a:accent4>
-      <a:accent5>
-        <a:srgbClr val="4FC3F7"/>
-      </a:accent5>
-      <a:accent6>
-        <a:srgbClr val="F4B400"/>
-      </a:accent6>
-      <a:hlink>
-        <a:srgbClr val="4FC3F7"/>
-      </a:hlink>
-      <a:folHlink>
-        <a:srgbClr val="4FC3F7"/>
-      </a:folHlink>
-    </a:clrScheme>
-    <a:fontScheme name="Office">
-      <a:majorFont>
-        <a:latin typeface="Arial"/>
-        <a:ea typeface=""/>
-        <a:cs typeface=""/>
-        <a:font script="Jpan" typeface="ＭＳ Ｐゴシック"/>
-        <a:font script="Hang" typeface="맑은 고딕"/>
-        <a:font script="Hans" typeface="宋体"/>
-        <a:font script="Hant" typeface="新細明體"/>
-        <a:font script="Arab" typeface="Times New Roman"/>
-        <a:font script="Hebr" typeface="Times New Roman"/>
-        <a:font script="Thai" typeface="Angsana New"/>
-        <a:font script="Ethi" typeface="Nyala"/>
-        <a:font script="Beng" typeface="Vrinda"/>
-        <a:font script="Gujr" typeface="Shruti"/>
-        <a:font script="Khmr" typeface="MoolBoran"/>
-        <a:font script="Knda" typeface="Tunga"/>
-        <a:font script="Guru" typeface="Raavi"/>
-        <a:font script="Cans" typeface="Euphemia"/>
-        <a:font script="Cher" typeface="Plantagenet Cherokee"/>
-        <a:font script="Yiii" typeface="Microsoft Yi Baiti"/>
-        <a:font script="Tibt" typeface="Microsoft Himalaya"/>
-        <a:font script="Thaa" typeface="MV Boli"/>
-        <a:font script="Deva" typeface="Mangal"/>
-        <a:font script="Telu" typeface="Gautami"/>
-        <a:font script="Taml" typeface="Latha"/>
-        <a:font script="Syrc" typeface="Estrangelo Edessa"/>
-        <a:font script="Orya" typeface="Kalinga"/>
-        <a:font script="Mlym" typeface="Kartika"/>
-        <a:font script="Laoo" typeface="DokChampa"/>
-        <a:font script="Sinh" typeface="Iskoola Pota"/>
-        <a:font script="Mong" typeface="Mongolian Baiti"/>
-        <a:font script="Viet" typeface="Times New Roman"/>
-        <a:font script="Uigh" typeface="Microsoft Uighur"/>
-        <a:font script="Geor" typeface="Sylfaen"/>
-      </a:majorFont>
-      <a:minorFont>
-        <a:latin typeface="Arial"/>
-        <a:ea typeface=""/>
-        <a:cs typeface=""/>
-        <a:font script="Jpan" typeface="ＭＳ Ｐゴシック"/>
-        <a:font script="Hang" typeface="맑은 고딕"/>
-        <a:font script="Hans" typeface="宋体"/>
-        <a:font script="Hant" typeface="新細明體"/>
-        <a:font script="Arab" typeface="Arial"/>
-        <a:font script="Hebr" typeface="Arial"/>
-        <a:font script="Thai" typeface="Cordia New"/>
-        <a:font script="Ethi" typeface="Nyala"/>
-        <a:font script="Beng" typeface="Vrinda"/>
-        <a:font script="Gujr" typeface="Shruti"/>
-        <a:font script="Khmr" typeface="DaunPenh"/>
-        <a:font script="Knda" typeface="Tunga"/>
-        <a:font script="Guru" typeface="Raavi"/>
-        <a:font script="Cans" typeface="Euphemia"/>
-        <a:font script="Cher" typeface="Plantagenet Cherokee"/>
-        <a:font script="Yiii" typeface="Microsoft Yi Baiti"/>
-        <a:font script="Tibt" typeface="Microsoft Himalaya"/>
-        <a:font script="Thaa" typeface="MV Boli"/>
-        <a:font script="Deva" typeface="Mangal"/>
-        <a:font script="Telu" typeface="Gautami"/>
-        <a:font script="Taml" typeface="Latha"/>
-        <a:font script="Syrc" typeface="Estrangelo Edessa"/>
-        <a:font script="Orya" typeface="Kalinga"/>
-        <a:font script="Mlym" typeface="Kartika"/>
-        <a:font script="Laoo" typeface="DokChampa"/>
-        <a:font script="Sinh" typeface="Iskoola Pota"/>
-        <a:font script="Mong" typeface="Mongolian Baiti"/>
-        <a:font script="Viet" typeface="Arial"/>
-        <a:font script="Uigh" typeface="Microsoft Uighur"/>
-        <a:font script="Geor" typeface="Sylfaen"/>
-      </a:minorFont>
-    </a:fontScheme>
-    <a:fmtScheme name="Office">
-      <a:fillStyleLst>
-        <a:solidFill>
-          <a:schemeClr val="phClr"/>
-        </a:solidFill>
-        <a:gradFill rotWithShape="1">
-          <a:gsLst>
-            <a:gs pos="0">
-              <a:schemeClr val="phClr">
-                <a:tint val="50000"/>
-                <a:satMod val="300000"/>
-              </a:schemeClr>
-            </a:gs>
-            <a:gs pos="35000">
-              <a:schemeClr val="phClr">
-                <a:tint val="37000"/>
-                <a:satMod val="300000"/>
-              </a:schemeClr>
-            </a:gs>
-            <a:gs pos="100000">
-              <a:schemeClr val="phClr">
-                <a:tint val="15000"/>
-                <a:satMod val="350000"/>
-              </a:schemeClr>
-            </a:gs>
-          </a:gsLst>
-          <a:lin ang="16200000" scaled="1"/>
-        </a:gradFill>
-        <a:gradFill rotWithShape="1">
-          <a:gsLst>
-            <a:gs pos="0">
-              <a:schemeClr val="phClr">
-                <a:tint val="100000"/>
-                <a:shade val="100000"/>
-                <a:satMod val="130000"/>
-              </a:schemeClr>
-            </a:gs>
-            <a:gs pos="100000">
-              <a:schemeClr val="phClr">
-                <a:tint val="50000"/>
-                <a:shade val="100000"/>
-                <a:satMod val="350000"/>
-              </a:schemeClr>
-            </a:gs>
-          </a:gsLst>
-          <a:lin ang="16200000" scaled="0"/>
-        </a:gradFill>
-      </a:fillStyleLst>
-      <a:lnStyleLst>
-        <a:ln w="9525" cap="flat" cmpd="sng" algn="ctr">
-          <a:solidFill>
-            <a:schemeClr val="phClr">
-              <a:shade val="95000"/>
-              <a:satMod val="105000"/>
-            </a:schemeClr>
-          </a:solidFill>
-          <a:prstDash val="solid"/>
-        </a:ln>
-        <a:ln w="25400" cap="flat" cmpd="sng" algn="ctr">
-          <a:solidFill>
-            <a:schemeClr val="phClr"/>
-          </a:solidFill>
-          <a:prstDash val="solid"/>
-        </a:ln>
-        <a:ln w="38100" cap="flat" cmpd="sng" algn="ctr">
-          <a:solidFill>
-            <a:schemeClr val="phClr"/>
-          </a:solidFill>
-          <a:prstDash val="solid"/>
-        </a:ln>
-      </a:lnStyleLst>
-      <a:effectStyleLst>
-        <a:effectStyle>
-          <a:effectLst>
-            <a:outerShdw blurRad="40000" dist="20000" dir="5400000" rotWithShape="0">
-              <a:srgbClr val="000000">
-                <a:alpha val="38000"/>
-              </a:srgbClr>
-            </a:outerShdw>
-          </a:effectLst>
-        </a:effectStyle>
-        <a:effectStyle>
-          <a:effectLst>
-            <a:outerShdw blurRad="40000" dist="23000" dir="5400000" rotWithShape="0">
-              <a:srgbClr val="000000">
-                <a:alpha val="35000"/>
-              </a:srgbClr>
-            </a:outerShdw>
-          </a:effectLst>
-        </a:effectStyle>
-        <a:effectStyle>
-          <a:effectLst>
-            <a:outerShdw blurRad="40000" dist="23000" dir="5400000" rotWithShape="0">
-              <a:srgbClr val="000000">
-                <a:alpha val="35000"/>
-              </a:srgbClr>
-            </a:outerShdw>
-          </a:effectLst>
-          <a:scene3d>
-            <a:camera prst="orthographicFront">
-              <a:rot lat="0" lon="0" rev="0"/>
-            </a:camera>
-            <a:lightRig rig="threePt" dir="t">
-              <a:rot lat="0" lon="0" rev="1200000"/>
-            </a:lightRig>
-          </a:scene3d>
-          <a:sp3d>
-            <a:bevelT w="63500" h="25400"/>
-          </a:sp3d>
-        </a:effectStyle>
-      </a:effectStyleLst>
-      <a:bgFillStyleLst>
-        <a:solidFill>
-          <a:schemeClr val="phClr"/>
-        </a:solidFill>
-        <a:gradFill rotWithShape="1">
-          <a:gsLst>
-            <a:gs pos="0">
-              <a:schemeClr val="phClr">
-                <a:tint val="40000"/>
-                <a:satMod val="350000"/>
-              </a:schemeClr>
-            </a:gs>
-            <a:gs pos="40000">
-              <a:schemeClr val="phClr">
-                <a:tint val="45000"/>
-                <a:shade val="99000"/>
-                <a:satMod val="350000"/>
-              </a:schemeClr>
-            </a:gs>
-            <a:gs pos="100000">
-              <a:schemeClr val="phClr">
-                <a:shade val="20000"/>
-                <a:satMod val="255000"/>
-              </a:schemeClr>
-            </a:gs>
-          </a:gsLst>
-          <a:path path="circle">
-            <a:fillToRect l="50000" t="-80000" r="50000" b="180000"/>
-          </a:path>
-        </a:gradFill>
-        <a:gradFill rotWithShape="1">
-          <a:gsLst>
-            <a:gs pos="0">
-              <a:schemeClr val="phClr">
-                <a:tint val="80000"/>
-                <a:satMod val="300000"/>
-              </a:schemeClr>
-            </a:gs>
-            <a:gs pos="100000">
-              <a:schemeClr val="phClr">
-                <a:shade val="30000"/>
-                <a:satMod val="200000"/>
-              </a:schemeClr>
-            </a:gs>
-          </a:gsLst>
-          <a:path path="circle">
-            <a:fillToRect l="50000" t="50000" r="50000" b="50000"/>
-          </a:path>
-        </a:gradFill>
-      </a:bgFillStyleLst>
-    </a:fmtScheme>
-  </a:themeElements>
-</a:theme>
 </file>
--- a/Slides/1 - Java/06 - Java - Espressioni Regolari e Streams.pptx
+++ b/Slides/1 - Java/06 - Java - Espressioni Regolari e Streams.pptx
@@ -13629,7 +13629,7 @@
             </a:pPr>
             <a:r>
               <a:rPr lang="it" sz="1400"/>
-              <a:t>Controlla se la stringa è un indirizzo email di mat.unical (per semplicità assumiamo che gli indirizzi email possano contenere solo lettere)</a:t>
+              <a:t>Controlla se la stringa è un indirizzo email dei docenti unical (per semplicità assumiamo che gli indirizzi email possano contenere solo lettere)</a:t>
             </a:r>
             <a:endParaRPr sz="1400"/>
           </a:p>
@@ -13718,7 +13718,7 @@
                 <a:cs typeface="Courier New"/>
                 <a:sym typeface="Courier New"/>
               </a:rPr>
-              <a:t>"[a−zA−Z]+@mat\\.unical\\.it"</a:t>
+              <a:t>"[a−zA−Z]+\\.[a−zA−Z]+@unical\\.it"</a:t>
             </a:r>
             <a:r>
               <a:rPr lang="it" sz="1200">
@@ -16061,8 +16061,16 @@
               <a:buNone/>
             </a:pPr>
             <a:r>
+              <a:rPr lang="it" sz="1400">
+                <a:solidFill>
+                  <a:schemeClr val="accent3"/>
+                </a:solidFill>
+              </a:rPr>
+              <a:t>Attenzione</a:t>
+            </a:r>
+            <a:r>
               <a:rPr lang="it" sz="1400"/>
-              <a:t>Attenzione: non tutti i metodi interpretano espressioni regolari! Ad esempio il metodo replace riceve come parametro una stringa.</a:t>
+              <a:t>: non tutti i metodi interpretano espressioni regolari! Ad esempio il metodo replace riceve come parametro una stringa.</a:t>
             </a:r>
             <a:endParaRPr sz="1400"/>
           </a:p>
@@ -21993,7 +22001,7 @@
             <a:r>
               <a:rPr lang="it">
                 <a:solidFill>
-                  <a:schemeClr val="lt2"/>
+                  <a:srgbClr val="0000BF"/>
                 </a:solidFill>
                 <a:latin typeface="Courier New"/>
                 <a:ea typeface="Courier New"/>
@@ -22017,7 +22025,7 @@
             <a:r>
               <a:rPr lang="it">
                 <a:solidFill>
-                  <a:schemeClr val="lt2"/>
+                  <a:srgbClr val="0000BF"/>
                 </a:solidFill>
                 <a:latin typeface="Courier New"/>
                 <a:ea typeface="Courier New"/>
@@ -23447,7 +23455,7 @@
             <a:tbl>
               <a:tblPr>
                 <a:noFill/>
-                <a:tableStyleId>{17D93281-8A2D-4398-A74F-6053AAC8AB56}</a:tableStyleId>
+                <a:tableStyleId>{C3798C61-6668-4396-A0FE-F308232C7E57}</a:tableStyleId>
               </a:tblPr>
               <a:tblGrid>
                 <a:gridCol w="382850"/>
@@ -24650,7 +24658,7 @@
             <a:tbl>
               <a:tblPr>
                 <a:noFill/>
-                <a:tableStyleId>{17D93281-8A2D-4398-A74F-6053AAC8AB56}</a:tableStyleId>
+                <a:tableStyleId>{C3798C61-6668-4396-A0FE-F308232C7E57}</a:tableStyleId>
               </a:tblPr>
               <a:tblGrid>
                 <a:gridCol w="1388075"/>
@@ -25715,7 +25723,7 @@
             <a:tbl>
               <a:tblPr>
                 <a:noFill/>
-                <a:tableStyleId>{17D93281-8A2D-4398-A74F-6053AAC8AB56}</a:tableStyleId>
+                <a:tableStyleId>{C3798C61-6668-4396-A0FE-F308232C7E57}</a:tableStyleId>
               </a:tblPr>
               <a:tblGrid>
                 <a:gridCol w="1388075"/>
